--- a/Git/Git 시작하기.pptx
+++ b/Git/Git 시작하기.pptx
@@ -269,7 +269,7 @@
           <a:p>
             <a:fld id="{0701E38F-D71B-4628-B377-F26FA834EB07}" type="datetimeFigureOut">
               <a:rPr lang="ko-KR" altLang="en-US" smtClean="0"/>
-              <a:t>2022-12-08</a:t>
+              <a:t>2022-12-16</a:t>
             </a:fld>
             <a:endParaRPr lang="ko-KR" altLang="en-US"/>
           </a:p>
@@ -435,7 +435,7 @@
             <a:fld id="{BC75A1C1-99F9-4ED1-B968-97F8F766565C}" type="datetimeFigureOut">
               <a:rPr lang="ko-KR" altLang="en-US" smtClean="0"/>
               <a:pPr/>
-              <a:t>2022-12-08</a:t>
+              <a:t>2022-12-16</a:t>
             </a:fld>
             <a:endParaRPr lang="ko-KR" altLang="en-US"/>
           </a:p>
@@ -5159,12 +5159,6 @@
               </a:rPr>
               <a:t>"</a:t>
             </a:r>
-            <a:endParaRPr kumimoji="0" lang="en-US" altLang="ko-KR" sz="1400" dirty="0" smtClean="0">
-              <a:solidFill>
-                <a:srgbClr val="FF0000"/>
-              </a:solidFill>
-              <a:latin typeface="+mn-ea"/>
-            </a:endParaRPr>
           </a:p>
           <a:p>
             <a:pPr marL="742950" lvl="1" indent="-285750" latinLnBrk="0">
@@ -5386,12 +5380,6 @@
               </a:rPr>
               <a:t>Diff</a:t>
             </a:r>
-            <a:endParaRPr lang="en-US" altLang="ko-KR" dirty="0" smtClean="0">
-              <a:solidFill>
-                <a:srgbClr val="0000FF"/>
-              </a:solidFill>
-              <a:latin typeface="+mn-ea"/>
-            </a:endParaRPr>
           </a:p>
           <a:p>
             <a:pPr marL="742950" lvl="1" indent="-285750" latinLnBrk="0">
@@ -6018,15 +6006,7 @@
             </a:r>
             <a:r>
               <a:rPr lang="en-US" altLang="ko-KR" sz="1400" dirty="0" smtClean="0"/>
-              <a:t> </a:t>
-            </a:r>
-            <a:r>
-              <a:rPr lang="en-US" altLang="ko-KR" sz="1400" dirty="0" smtClean="0"/>
-              <a:t>commit –m </a:t>
-            </a:r>
-            <a:r>
-              <a:rPr lang="en-US" altLang="ko-KR" sz="1400" dirty="0" smtClean="0"/>
-              <a:t>"update"</a:t>
+              <a:t> commit –m "update"</a:t>
             </a:r>
             <a:endParaRPr lang="en-US" altLang="ko-KR" sz="1400" dirty="0"/>
           </a:p>
@@ -6044,15 +6024,7 @@
             </a:r>
             <a:r>
               <a:rPr lang="en-US" altLang="ko-KR" sz="1400" dirty="0" smtClean="0"/>
-              <a:t> commit –am </a:t>
-            </a:r>
-            <a:r>
-              <a:rPr lang="en-US" altLang="ko-KR" sz="1400" dirty="0" smtClean="0"/>
-              <a:t>"update" </a:t>
-            </a:r>
-            <a:r>
-              <a:rPr lang="en-US" altLang="ko-KR" sz="1400" dirty="0" smtClean="0"/>
-              <a:t>// Add and Commit</a:t>
+              <a:t> commit –am "update" // Add and Commit</a:t>
             </a:r>
             <a:endParaRPr lang="en-US" altLang="ko-KR" sz="1400" dirty="0"/>
           </a:p>
@@ -6819,12 +6791,6 @@
               </a:rPr>
               <a:t>master</a:t>
             </a:r>
-            <a:endParaRPr lang="en-US" altLang="ko-KR" sz="1400" dirty="0" smtClean="0">
-              <a:solidFill>
-                <a:srgbClr val="FF0000"/>
-              </a:solidFill>
-              <a:latin typeface="+mn-ea"/>
-            </a:endParaRPr>
           </a:p>
           <a:p>
             <a:pPr marL="742950" lvl="1" indent="-285750" latinLnBrk="0">
@@ -7256,12 +7222,6 @@
               </a:rPr>
               <a:t>Log</a:t>
             </a:r>
-            <a:endParaRPr lang="en-US" altLang="ko-KR" sz="2000" dirty="0" smtClean="0">
-              <a:solidFill>
-                <a:srgbClr val="0000FF"/>
-              </a:solidFill>
-              <a:latin typeface="+mn-ea"/>
-            </a:endParaRPr>
           </a:p>
           <a:p>
             <a:pPr marL="742950" lvl="1" indent="-285750" latinLnBrk="0">
@@ -7379,13 +7339,8 @@
             </a:r>
             <a:r>
               <a:rPr lang="en-US" altLang="ko-KR" sz="1600" dirty="0" smtClean="0"/>
-              <a:t> status -</a:t>
-            </a:r>
-            <a:r>
-              <a:rPr lang="en-US" altLang="ko-KR" sz="1600" dirty="0" smtClean="0"/>
-              <a:t>s</a:t>
-            </a:r>
-            <a:endParaRPr lang="en-US" altLang="ko-KR" sz="1600" dirty="0" smtClean="0"/>
+              <a:t> status -s</a:t>
+            </a:r>
           </a:p>
           <a:p>
             <a:pPr lvl="2">
@@ -10255,19 +10210,35 @@
               <a:buChar char="•"/>
             </a:pPr>
             <a:r>
-              <a:rPr lang="en-US" altLang="ko-KR" sz="1400" dirty="0" err="1"/>
+              <a:rPr lang="en-US" altLang="ko-KR" sz="1400" dirty="0" err="1">
+                <a:solidFill>
+                  <a:srgbClr val="FF0000"/>
+                </a:solidFill>
+              </a:rPr>
               <a:t>git</a:t>
             </a:r>
             <a:r>
-              <a:rPr lang="en-US" altLang="ko-KR" sz="1400" dirty="0"/>
+              <a:rPr lang="en-US" altLang="ko-KR" sz="1400" dirty="0">
+                <a:solidFill>
+                  <a:srgbClr val="FF0000"/>
+                </a:solidFill>
+              </a:rPr>
               <a:t> branch -d </a:t>
             </a:r>
             <a:r>
-              <a:rPr lang="en-US" altLang="ko-KR" sz="1400" dirty="0" err="1"/>
+              <a:rPr lang="en-US" altLang="ko-KR" sz="1400" dirty="0" err="1">
+                <a:solidFill>
+                  <a:srgbClr val="FF0000"/>
+                </a:solidFill>
+              </a:rPr>
               <a:t>new_branch</a:t>
             </a:r>
             <a:r>
-              <a:rPr lang="en-US" altLang="ko-KR" sz="1400" dirty="0"/>
+              <a:rPr lang="en-US" altLang="ko-KR" sz="1400" dirty="0">
+                <a:solidFill>
+                  <a:srgbClr val="FF0000"/>
+                </a:solidFill>
+              </a:rPr>
               <a:t>		// delete branch locally</a:t>
             </a:r>
           </a:p>
@@ -11493,15 +11464,7 @@
             </a:r>
             <a:r>
               <a:rPr lang="en-US" altLang="ko-KR" sz="1600" dirty="0" smtClean="0"/>
-              <a:t> </a:t>
-            </a:r>
-            <a:r>
-              <a:rPr lang="en-US" altLang="ko-KR" sz="1600" dirty="0" smtClean="0"/>
-              <a:t>reset </a:t>
-            </a:r>
-            <a:r>
-              <a:rPr lang="en-US" altLang="ko-KR" sz="1600" dirty="0" smtClean="0"/>
-              <a:t>--hard better-branch</a:t>
+              <a:t> reset --hard better-branch</a:t>
             </a:r>
           </a:p>
           <a:p>
@@ -13353,11 +13316,7 @@
             </a:pPr>
             <a:r>
               <a:rPr lang="en-US" altLang="ko-KR" sz="1400" dirty="0" smtClean="0"/>
-              <a:t>Working </a:t>
-            </a:r>
-            <a:r>
-              <a:rPr lang="en-US" altLang="ko-KR" sz="1400" dirty="0" smtClean="0"/>
-              <a:t>Tree &amp; Working Directory </a:t>
+              <a:t>Working Tree &amp; Working Directory </a:t>
             </a:r>
             <a:r>
               <a:rPr lang="en-US" altLang="ko-KR" sz="1400" i="1" dirty="0" smtClean="0">
@@ -13365,15 +13324,7 @@
                   <a:srgbClr val="00B0F0"/>
                 </a:solidFill>
               </a:rPr>
-              <a:t>(add</a:t>
-            </a:r>
-            <a:r>
-              <a:rPr lang="en-US" altLang="ko-KR" sz="1400" i="1" dirty="0" smtClean="0">
-                <a:solidFill>
-                  <a:srgbClr val="00B0F0"/>
-                </a:solidFill>
-              </a:rPr>
-              <a:t>)</a:t>
+              <a:t>(add)</a:t>
             </a:r>
             <a:endParaRPr lang="en-US" altLang="ko-KR" sz="1400" dirty="0"/>
           </a:p>
@@ -13409,15 +13360,7 @@
                   <a:srgbClr val="00B0F0"/>
                 </a:solidFill>
               </a:rPr>
-              <a:t>(commit</a:t>
-            </a:r>
-            <a:r>
-              <a:rPr lang="en-US" altLang="ko-KR" sz="1400" i="1" dirty="0" smtClean="0">
-                <a:solidFill>
-                  <a:srgbClr val="00B0F0"/>
-                </a:solidFill>
-              </a:rPr>
-              <a:t>)</a:t>
+              <a:t>(commit)</a:t>
             </a:r>
           </a:p>
           <a:p>
@@ -13490,15 +13433,7 @@
                   <a:srgbClr val="00B0F0"/>
                 </a:solidFill>
               </a:rPr>
-              <a:t>(push</a:t>
-            </a:r>
-            <a:r>
-              <a:rPr lang="en-US" altLang="ko-KR" sz="1400" i="1" dirty="0" smtClean="0">
-                <a:solidFill>
-                  <a:srgbClr val="00B0F0"/>
-                </a:solidFill>
-              </a:rPr>
-              <a:t>)</a:t>
+              <a:t>(push)</a:t>
             </a:r>
           </a:p>
           <a:p>
@@ -13515,23 +13450,7 @@
                   <a:schemeClr val="tx1"/>
                 </a:solidFill>
               </a:rPr>
-              <a:t>내 </a:t>
-            </a:r>
-            <a:r>
-              <a:rPr lang="ko-KR" altLang="en-US" sz="1200" dirty="0" smtClean="0">
-                <a:solidFill>
-                  <a:schemeClr val="tx1"/>
-                </a:solidFill>
-              </a:rPr>
-              <a:t>컴퓨터에서</a:t>
-            </a:r>
-            <a:r>
-              <a:rPr lang="ko-KR" altLang="en-US" sz="1200" dirty="0" smtClean="0">
-                <a:solidFill>
-                  <a:schemeClr val="tx1"/>
-                </a:solidFill>
-              </a:rPr>
-              <a:t> 관리하는</a:t>
+              <a:t>내 컴퓨터에서 관리하는</a:t>
             </a:r>
             <a:r>
               <a:rPr lang="en-US" altLang="ko-KR" sz="1200" dirty="0">
@@ -13589,15 +13508,7 @@
                   <a:srgbClr val="00B0F0"/>
                 </a:solidFill>
               </a:rPr>
-              <a:t>(pull</a:t>
-            </a:r>
-            <a:r>
-              <a:rPr lang="en-US" altLang="ko-KR" sz="1400" i="1" dirty="0" smtClean="0">
-                <a:solidFill>
-                  <a:srgbClr val="00B0F0"/>
-                </a:solidFill>
-              </a:rPr>
-              <a:t>)</a:t>
+              <a:t>(pull)</a:t>
             </a:r>
           </a:p>
           <a:p>
@@ -13919,12 +13830,6 @@
               </a:rPr>
               <a:t>Cheat Sheet</a:t>
             </a:r>
-            <a:endParaRPr lang="en-US" altLang="ko-KR" sz="2000" dirty="0" smtClean="0">
-              <a:solidFill>
-                <a:srgbClr val="0000FF"/>
-              </a:solidFill>
-              <a:latin typeface="+mn-ea"/>
-            </a:endParaRPr>
           </a:p>
           <a:p>
             <a:pPr lvl="2">
@@ -14175,32 +14080,8 @@
                 </a:solidFill>
                 <a:latin typeface="+mn-ea"/>
               </a:rPr>
-              <a:t>Branch </a:t>
-            </a:r>
-            <a:r>
-              <a:rPr lang="en-US" altLang="ko-KR" sz="2000" dirty="0" smtClean="0">
-                <a:solidFill>
-                  <a:srgbClr val="0000FF"/>
-                </a:solidFill>
-                <a:latin typeface="+mn-ea"/>
-              </a:rPr>
-              <a:t>&amp; </a:t>
-            </a:r>
-            <a:r>
-              <a:rPr lang="en-US" altLang="ko-KR" sz="2000" dirty="0" smtClean="0">
-                <a:solidFill>
-                  <a:srgbClr val="0000FF"/>
-                </a:solidFill>
-                <a:latin typeface="+mn-ea"/>
-              </a:rPr>
-              <a:t>Merge</a:t>
-            </a:r>
-            <a:endParaRPr lang="en-US" altLang="ko-KR" sz="2000" dirty="0" smtClean="0">
-              <a:solidFill>
-                <a:srgbClr val="0000FF"/>
-              </a:solidFill>
-              <a:latin typeface="+mn-ea"/>
-            </a:endParaRPr>
+              <a:t>Branch &amp; Merge</a:t>
+            </a:r>
           </a:p>
           <a:p>
             <a:pPr marL="742950" lvl="1" indent="-285750" latinLnBrk="0">

--- a/Git/Git 시작하기.pptx
+++ b/Git/Git 시작하기.pptx
@@ -269,7 +269,7 @@
           <a:p>
             <a:fld id="{0701E38F-D71B-4628-B377-F26FA834EB07}" type="datetimeFigureOut">
               <a:rPr lang="ko-KR" altLang="en-US" smtClean="0"/>
-              <a:t>2022-12-16</a:t>
+              <a:t>2023-01-11</a:t>
             </a:fld>
             <a:endParaRPr lang="ko-KR" altLang="en-US"/>
           </a:p>
@@ -435,7 +435,7 @@
             <a:fld id="{BC75A1C1-99F9-4ED1-B968-97F8F766565C}" type="datetimeFigureOut">
               <a:rPr lang="ko-KR" altLang="en-US" smtClean="0"/>
               <a:pPr/>
-              <a:t>2022-12-16</a:t>
+              <a:t>2023-01-11</a:t>
             </a:fld>
             <a:endParaRPr lang="ko-KR" altLang="en-US"/>
           </a:p>
@@ -4818,37 +4818,14 @@
               <a:buChar char="•"/>
             </a:pPr>
             <a:r>
-              <a:rPr lang="en-US" altLang="ko-KR" sz="1200" dirty="0" smtClean="0"/>
-              <a:t>Working Tree</a:t>
-            </a:r>
-            <a:r>
               <a:rPr lang="ko-KR" altLang="en-US" sz="1200" dirty="0" smtClean="0"/>
-              <a:t>에서 작업한 변경 내용을 </a:t>
-            </a:r>
-            <a:r>
-              <a:rPr lang="en-US" altLang="ko-KR" sz="1200" dirty="0" err="1" smtClean="0"/>
-              <a:t>Stagin</a:t>
-            </a:r>
-            <a:r>
-              <a:rPr lang="en-US" altLang="ko-KR" sz="1200" dirty="0" smtClean="0"/>
-              <a:t> Area</a:t>
-            </a:r>
-            <a:r>
-              <a:rPr lang="ko-KR" altLang="en-US" sz="1200" dirty="0" smtClean="0"/>
-              <a:t>에</a:t>
-            </a:r>
-            <a:r>
-              <a:rPr lang="en-US" altLang="ko-KR" sz="1200" dirty="0" smtClean="0"/>
-              <a:t> </a:t>
-            </a:r>
-            <a:r>
-              <a:rPr lang="ko-KR" altLang="en-US" sz="1200" dirty="0" smtClean="0"/>
-              <a:t>올리는 명령이다</a:t>
+              <a:t>로컬 저장소와 원격 저장소의 파일을 삭제할 수 있는 명령어이다</a:t>
             </a:r>
             <a:r>
               <a:rPr lang="en-US" altLang="ko-KR" sz="1200" dirty="0" smtClean="0"/>
               <a:t>.</a:t>
             </a:r>
+            <a:endParaRPr lang="en-US" altLang="ko-KR" sz="1200" dirty="0" smtClean="0"/>
           </a:p>
           <a:p>
             <a:pPr marL="742950" lvl="1" indent="-285750" latinLnBrk="0">
@@ -8455,12 +8432,12 @@
               <a:t>해당 </a:t>
             </a:r>
             <a:r>
-              <a:rPr lang="en-US" altLang="ko-KR" sz="1400" dirty="0" err="1">
+              <a:rPr lang="en-US" altLang="ko-KR" sz="1400" dirty="0" smtClean="0">
                 <a:solidFill>
                   <a:srgbClr val="FF0000"/>
                 </a:solidFill>
               </a:rPr>
-              <a:t>respository</a:t>
+              <a:t>repository</a:t>
             </a:r>
             <a:r>
               <a:rPr lang="ko-KR" altLang="en-US" sz="1400" dirty="0">

--- a/Git/Git 시작하기.pptx
+++ b/Git/Git 시작하기.pptx
@@ -269,7 +269,7 @@
           <a:p>
             <a:fld id="{0701E38F-D71B-4628-B377-F26FA834EB07}" type="datetimeFigureOut">
               <a:rPr lang="ko-KR" altLang="en-US" smtClean="0"/>
-              <a:t>2023-01-11</a:t>
+              <a:t>2023-01-25</a:t>
             </a:fld>
             <a:endParaRPr lang="ko-KR" altLang="en-US"/>
           </a:p>
@@ -435,7 +435,7 @@
             <a:fld id="{BC75A1C1-99F9-4ED1-B968-97F8F766565C}" type="datetimeFigureOut">
               <a:rPr lang="ko-KR" altLang="en-US" smtClean="0"/>
               <a:pPr/>
-              <a:t>2023-01-11</a:t>
+              <a:t>2023-01-25</a:t>
             </a:fld>
             <a:endParaRPr lang="ko-KR" altLang="en-US"/>
           </a:p>
@@ -4825,7 +4825,6 @@
               <a:rPr lang="en-US" altLang="ko-KR" sz="1200" dirty="0" smtClean="0"/>
               <a:t>.</a:t>
             </a:r>
-            <a:endParaRPr lang="en-US" altLang="ko-KR" sz="1200" dirty="0" smtClean="0"/>
           </a:p>
           <a:p>
             <a:pPr marL="742950" lvl="1" indent="-285750" latinLnBrk="0">
@@ -7668,7 +7667,43 @@
               <a:buFont typeface="Arial" panose="020B0604020202020204" pitchFamily="34" charset="0"/>
               <a:buChar char="•"/>
             </a:pPr>
-            <a:endParaRPr lang="en-US" altLang="ko-KR" sz="1600" dirty="0" smtClean="0"/>
+            <a:r>
+              <a:rPr lang="en-US" altLang="ko-KR" sz="1600" dirty="0" err="1" smtClean="0">
+                <a:solidFill>
+                  <a:srgbClr val="FF0000"/>
+                </a:solidFill>
+              </a:rPr>
+              <a:t>git</a:t>
+            </a:r>
+            <a:r>
+              <a:rPr lang="en-US" altLang="ko-KR" sz="1600" dirty="0" smtClean="0">
+                <a:solidFill>
+                  <a:srgbClr val="FF0000"/>
+                </a:solidFill>
+              </a:rPr>
+              <a:t> push -u --force origin master (</a:t>
+            </a:r>
+            <a:r>
+              <a:rPr lang="ko-KR" altLang="en-US" sz="1600" dirty="0" smtClean="0">
+                <a:solidFill>
+                  <a:srgbClr val="FF0000"/>
+                </a:solidFill>
+              </a:rPr>
+              <a:t>원격 저장소 초기화</a:t>
+            </a:r>
+            <a:r>
+              <a:rPr lang="en-US" altLang="ko-KR" sz="1600" dirty="0" smtClean="0">
+                <a:solidFill>
+                  <a:srgbClr val="FF0000"/>
+                </a:solidFill>
+              </a:rPr>
+              <a:t>)</a:t>
+            </a:r>
+            <a:endParaRPr lang="en-US" altLang="ko-KR" sz="1600" dirty="0" smtClean="0">
+              <a:solidFill>
+                <a:srgbClr val="FF0000"/>
+              </a:solidFill>
+            </a:endParaRPr>
           </a:p>
           <a:p>
             <a:pPr lvl="2">
@@ -7741,7 +7776,7 @@
         </p:blipFill>
         <p:spPr bwMode="auto">
           <a:xfrm>
-            <a:off x="2447764" y="3789040"/>
+            <a:off x="2447764" y="3991562"/>
             <a:ext cx="4248472" cy="2389766"/>
           </a:xfrm>
           <a:prstGeom prst="rect">
